--- a/FINAL_PPT.pptx
+++ b/FINAL_PPT.pptx
@@ -1407,7 +1407,7 @@
         </p:nvSpPr>
         <p:spPr>
           <a:xfrm>
-            <a:off x="534368" y="1506527"/>
+            <a:off x="457200" y="750993"/>
             <a:ext cx="8491220" cy="977900"/>
           </a:xfrm>
           <a:prstGeom prst="rect">
@@ -1526,7 +1526,7 @@
               </a:rPr>
               <a:t>Code</a:t>
             </a:r>
-            <a:endParaRPr sz="3050">
+            <a:endParaRPr sz="3050" dirty="0">
               <a:latin typeface="Arial Black"/>
               <a:cs typeface="Arial Black"/>
             </a:endParaRPr>
@@ -1592,7 +1592,7 @@
               </a:rPr>
               <a:t>Statement:</a:t>
             </a:r>
-            <a:endParaRPr sz="1400">
+            <a:endParaRPr sz="1400" dirty="0">
               <a:latin typeface="Tahoma"/>
               <a:cs typeface="Tahoma"/>
             </a:endParaRPr>
@@ -2173,7 +2173,7 @@
               </a:rPr>
               <a:t>level.</a:t>
             </a:r>
-            <a:endParaRPr sz="1400">
+            <a:endParaRPr sz="1400" dirty="0">
               <a:latin typeface="Tahoma"/>
               <a:cs typeface="Tahoma"/>
             </a:endParaRPr>
@@ -2187,7 +2187,7 @@
                 <a:spcPts val="1130"/>
               </a:spcBef>
             </a:pPr>
-            <a:endParaRPr sz="1400">
+            <a:endParaRPr sz="1400" dirty="0">
               <a:latin typeface="Tahoma"/>
               <a:cs typeface="Tahoma"/>
             </a:endParaRPr>
@@ -2208,7 +2208,7 @@
               </a:rPr>
               <a:t>Description:</a:t>
             </a:r>
-            <a:endParaRPr sz="1400">
+            <a:endParaRPr sz="1400" dirty="0">
               <a:latin typeface="Tahoma"/>
               <a:cs typeface="Tahoma"/>
             </a:endParaRPr>
@@ -3049,7 +3049,7 @@
               </a:rPr>
               <a:t>competitions.</a:t>
             </a:r>
-            <a:endParaRPr sz="1400">
+            <a:endParaRPr sz="1400" dirty="0">
               <a:latin typeface="Tahoma"/>
               <a:cs typeface="Tahoma"/>
             </a:endParaRPr>
